--- a/alpha results/alphaPresentation.pptx
+++ b/alpha results/alphaPresentation.pptx
@@ -4808,12 +4808,12 @@
           <a:lstStyle/>
           <a:p>
             <a:r>
-              <a:rPr lang="en-US" dirty="0" err="1" smtClean="0"/>
-              <a:t>ProCEDURAL</a:t>
-            </a:r>
-            <a:r>
               <a:rPr lang="en-US" dirty="0" smtClean="0"/>
-              <a:t> TERRAIN GENERATION WITH LOD</a:t>
+              <a:t>Procedural </a:t>
+            </a:r>
+            <a:r>
+              <a:rPr lang="en-US" dirty="0" smtClean="0"/>
+              <a:t>TERRAIN GENERATION WITH LOD</a:t>
             </a:r>
             <a:endParaRPr lang="en-US" dirty="0"/>
           </a:p>
@@ -5016,12 +5016,12 @@
               <a:t>Use programmable </a:t>
             </a:r>
             <a:r>
-              <a:rPr lang="en-US" sz="2400" dirty="0" err="1" smtClean="0"/>
-              <a:t>tesselation</a:t>
-            </a:r>
-            <a:r>
               <a:rPr lang="en-US" sz="2400" dirty="0" smtClean="0"/>
-              <a:t> control </a:t>
+              <a:t>tessellation </a:t>
+            </a:r>
+            <a:r>
+              <a:rPr lang="en-US" sz="2400" dirty="0" smtClean="0"/>
+              <a:t>control </a:t>
             </a:r>
             <a:r>
               <a:rPr lang="en-US" sz="2400" dirty="0" err="1" smtClean="0"/>
@@ -5096,15 +5096,15 @@
             </a:pPr>
             <a:r>
               <a:rPr lang="en-US" sz="2400" dirty="0" smtClean="0"/>
-              <a:t>Shade the terrain based on slope (</a:t>
-            </a:r>
-            <a:r>
-              <a:rPr lang="en-US" sz="2400" dirty="0" err="1" smtClean="0"/>
-              <a:t>eg</a:t>
+              <a:t>Shade the terrain based on slope </a:t>
             </a:r>
             <a:r>
               <a:rPr lang="en-US" sz="2400" dirty="0" smtClean="0"/>
-              <a:t>: snow)</a:t>
+              <a:t>(e.g.: </a:t>
+            </a:r>
+            <a:r>
+              <a:rPr lang="en-US" sz="2400" dirty="0" smtClean="0"/>
+              <a:t>snow)</a:t>
             </a:r>
           </a:p>
           <a:p>
@@ -5242,12 +5242,12 @@
               <a:t>Use programmable </a:t>
             </a:r>
             <a:r>
-              <a:rPr lang="en-US" sz="2400" strike="sngStrike" dirty="0" err="1" smtClean="0"/>
-              <a:t>tesselation</a:t>
-            </a:r>
-            <a:r>
               <a:rPr lang="en-US" sz="2400" strike="sngStrike" dirty="0" smtClean="0"/>
-              <a:t> control </a:t>
+              <a:t>tessellation </a:t>
+            </a:r>
+            <a:r>
+              <a:rPr lang="en-US" sz="2400" strike="sngStrike" dirty="0" smtClean="0"/>
+              <a:t>control </a:t>
             </a:r>
             <a:r>
               <a:rPr lang="en-US" sz="2400" strike="sngStrike" dirty="0" err="1" smtClean="0"/>
@@ -5590,7 +5590,7 @@
               <a:t>REALLY </a:t>
             </a:r>
             <a:r>
-              <a:rPr lang="en-US" sz="4800" dirty="0" err="1" smtClean="0">
+              <a:rPr lang="en-US" sz="4800" dirty="0" smtClean="0">
                 <a:latin typeface="Arial Black" panose="020B0A04020102020204" pitchFamily="34" charset="0"/>
               </a:rPr>
               <a:t>REALLY</a:t>

--- a/alpha results/alphaPresentation.pptx
+++ b/alpha results/alphaPresentation.pptx
@@ -7,13 +7,14 @@
   <p:sldIdLst>
     <p:sldId id="256" r:id="rId2"/>
     <p:sldId id="257" r:id="rId3"/>
-    <p:sldId id="258" r:id="rId4"/>
-    <p:sldId id="262" r:id="rId5"/>
-    <p:sldId id="263" r:id="rId6"/>
-    <p:sldId id="264" r:id="rId7"/>
+    <p:sldId id="263" r:id="rId4"/>
+    <p:sldId id="264" r:id="rId5"/>
+    <p:sldId id="258" r:id="rId6"/>
+    <p:sldId id="262" r:id="rId7"/>
     <p:sldId id="259" r:id="rId8"/>
     <p:sldId id="260" r:id="rId9"/>
     <p:sldId id="261" r:id="rId10"/>
+    <p:sldId id="265" r:id="rId11"/>
   </p:sldIdLst>
   <p:sldSz cx="9144000" cy="6858000" type="screen4x3"/>
   <p:notesSz cx="6858000" cy="9144000"/>
@@ -4809,11 +4810,7 @@
           <a:p>
             <a:r>
               <a:rPr lang="en-US" dirty="0" smtClean="0"/>
-              <a:t>Procedural </a:t>
-            </a:r>
-            <a:r>
-              <a:rPr lang="en-US" dirty="0" smtClean="0"/>
-              <a:t>TERRAIN GENERATION WITH LOD</a:t>
+              <a:t>Procedural TERRAIN GENERATION WITH LOD</a:t>
             </a:r>
             <a:endParaRPr lang="en-US" dirty="0"/>
           </a:p>
@@ -4838,6 +4835,231 @@
               <a:rPr lang="en-US" dirty="0" smtClean="0"/>
               <a:t>ALPHA PRESENTATION</a:t>
             </a:r>
+            <a:endParaRPr lang="en-US" dirty="0"/>
+          </a:p>
+        </p:txBody>
+      </p:sp>
+      <p:sp>
+        <p:nvSpPr>
+          <p:cNvPr id="4" name="Subtitle 2"/>
+          <p:cNvSpPr txBox="1">
+            <a:spLocks/>
+          </p:cNvSpPr>
+          <p:nvPr/>
+        </p:nvSpPr>
+        <p:spPr>
+          <a:xfrm rot="19140000">
+            <a:off x="1786961" y="2752267"/>
+            <a:ext cx="6511131" cy="988163"/>
+          </a:xfrm>
+          <a:prstGeom prst="rect">
+            <a:avLst/>
+          </a:prstGeom>
+        </p:spPr>
+        <p:txBody>
+          <a:bodyPr vert="horz" lIns="91440" tIns="9144" rIns="91440" bIns="45720" rtlCol="0">
+            <a:normAutofit/>
+          </a:bodyPr>
+          <a:lstStyle>
+            <a:lvl1pPr marL="0" indent="0" algn="l" defTabSz="914400" rtl="0" eaLnBrk="1" latinLnBrk="0" hangingPunct="1">
+              <a:spcBef>
+                <a:spcPts val="800"/>
+              </a:spcBef>
+              <a:buFont typeface="Arial" pitchFamily="34" charset="0"/>
+              <a:buNone/>
+              <a:defRPr kumimoji="0" lang="en-US" sz="1400" b="0" i="0" u="none" strike="noStrike" kern="1200" cap="all" spc="400" normalizeH="0" baseline="0" noProof="0" dirty="0" smtClean="0">
+                <a:ln>
+                  <a:noFill/>
+                </a:ln>
+                <a:solidFill>
+                  <a:schemeClr val="tx1"/>
+                </a:solidFill>
+                <a:effectLst/>
+                <a:uLnTx/>
+                <a:uFillTx/>
+                <a:latin typeface="+mn-lt"/>
+                <a:ea typeface="+mj-ea"/>
+                <a:cs typeface="Tunga" pitchFamily="2"/>
+              </a:defRPr>
+            </a:lvl1pPr>
+            <a:lvl2pPr marL="457200" indent="0" algn="ctr" defTabSz="914400" rtl="0" eaLnBrk="1" latinLnBrk="0" hangingPunct="1">
+              <a:spcBef>
+                <a:spcPts val="300"/>
+              </a:spcBef>
+              <a:buClr>
+                <a:schemeClr val="accent2"/>
+              </a:buClr>
+              <a:buFont typeface="Wingdings" pitchFamily="2" charset="2"/>
+              <a:buNone/>
+              <a:defRPr sz="1600" kern="1200">
+                <a:solidFill>
+                  <a:schemeClr val="tx1">
+                    <a:tint val="75000"/>
+                  </a:schemeClr>
+                </a:solidFill>
+                <a:latin typeface="+mn-lt"/>
+                <a:ea typeface="+mn-ea"/>
+                <a:cs typeface="+mn-cs"/>
+              </a:defRPr>
+            </a:lvl2pPr>
+            <a:lvl3pPr marL="914400" indent="0" algn="ctr" defTabSz="914400" rtl="0" eaLnBrk="1" latinLnBrk="0" hangingPunct="1">
+              <a:spcBef>
+                <a:spcPts val="300"/>
+              </a:spcBef>
+              <a:buClr>
+                <a:schemeClr val="accent2"/>
+              </a:buClr>
+              <a:buFont typeface="Wingdings" pitchFamily="2" charset="2"/>
+              <a:buNone/>
+              <a:defRPr sz="1600" kern="1200">
+                <a:solidFill>
+                  <a:schemeClr val="tx1">
+                    <a:tint val="75000"/>
+                  </a:schemeClr>
+                </a:solidFill>
+                <a:latin typeface="+mn-lt"/>
+                <a:ea typeface="+mn-ea"/>
+                <a:cs typeface="+mn-cs"/>
+              </a:defRPr>
+            </a:lvl3pPr>
+            <a:lvl4pPr marL="1371600" indent="0" algn="ctr" defTabSz="914400" rtl="0" eaLnBrk="1" latinLnBrk="0" hangingPunct="1">
+              <a:spcBef>
+                <a:spcPts val="300"/>
+              </a:spcBef>
+              <a:buClr>
+                <a:schemeClr val="accent2"/>
+              </a:buClr>
+              <a:buFont typeface="Wingdings" pitchFamily="2" charset="2"/>
+              <a:buNone/>
+              <a:defRPr sz="1600" kern="1200">
+                <a:solidFill>
+                  <a:schemeClr val="tx1">
+                    <a:tint val="75000"/>
+                  </a:schemeClr>
+                </a:solidFill>
+                <a:latin typeface="+mn-lt"/>
+                <a:ea typeface="+mn-ea"/>
+                <a:cs typeface="+mn-cs"/>
+              </a:defRPr>
+            </a:lvl4pPr>
+            <a:lvl5pPr marL="1828800" indent="0" algn="ctr" defTabSz="914400" rtl="0" eaLnBrk="1" latinLnBrk="0" hangingPunct="1">
+              <a:spcBef>
+                <a:spcPts val="300"/>
+              </a:spcBef>
+              <a:buClr>
+                <a:schemeClr val="accent2"/>
+              </a:buClr>
+              <a:buFont typeface="Wingdings" pitchFamily="2" charset="2"/>
+              <a:buNone/>
+              <a:defRPr sz="1600" kern="1200">
+                <a:solidFill>
+                  <a:schemeClr val="tx1">
+                    <a:tint val="75000"/>
+                  </a:schemeClr>
+                </a:solidFill>
+                <a:latin typeface="+mn-lt"/>
+                <a:ea typeface="+mn-ea"/>
+                <a:cs typeface="+mn-cs"/>
+              </a:defRPr>
+            </a:lvl5pPr>
+            <a:lvl6pPr marL="2286000" indent="0" algn="ctr" defTabSz="914400" rtl="0" eaLnBrk="1" latinLnBrk="0" hangingPunct="1">
+              <a:spcBef>
+                <a:spcPts val="300"/>
+              </a:spcBef>
+              <a:buClr>
+                <a:schemeClr val="accent2"/>
+              </a:buClr>
+              <a:buFont typeface="Wingdings" pitchFamily="2" charset="2"/>
+              <a:buNone/>
+              <a:defRPr sz="1400" kern="1200">
+                <a:solidFill>
+                  <a:schemeClr val="tx1">
+                    <a:tint val="75000"/>
+                  </a:schemeClr>
+                </a:solidFill>
+                <a:latin typeface="+mn-lt"/>
+                <a:ea typeface="+mn-ea"/>
+                <a:cs typeface="+mn-cs"/>
+              </a:defRPr>
+            </a:lvl6pPr>
+            <a:lvl7pPr marL="2743200" indent="0" algn="ctr" defTabSz="914400" rtl="0" eaLnBrk="1" latinLnBrk="0" hangingPunct="1">
+              <a:spcBef>
+                <a:spcPts val="300"/>
+              </a:spcBef>
+              <a:buClr>
+                <a:schemeClr val="accent2"/>
+              </a:buClr>
+              <a:buFont typeface="Wingdings" pitchFamily="2" charset="2"/>
+              <a:buNone/>
+              <a:defRPr sz="1400" kern="1200">
+                <a:solidFill>
+                  <a:schemeClr val="tx1">
+                    <a:tint val="75000"/>
+                  </a:schemeClr>
+                </a:solidFill>
+                <a:latin typeface="+mn-lt"/>
+                <a:ea typeface="+mn-ea"/>
+                <a:cs typeface="+mn-cs"/>
+              </a:defRPr>
+            </a:lvl7pPr>
+            <a:lvl8pPr marL="3200400" indent="0" algn="ctr" defTabSz="914400" rtl="0" eaLnBrk="1" latinLnBrk="0" hangingPunct="1">
+              <a:spcBef>
+                <a:spcPts val="300"/>
+              </a:spcBef>
+              <a:buClr>
+                <a:schemeClr val="accent2"/>
+              </a:buClr>
+              <a:buFont typeface="Wingdings" pitchFamily="2" charset="2"/>
+              <a:buNone/>
+              <a:defRPr sz="1400" kern="1200">
+                <a:solidFill>
+                  <a:schemeClr val="tx1">
+                    <a:tint val="75000"/>
+                  </a:schemeClr>
+                </a:solidFill>
+                <a:latin typeface="+mn-lt"/>
+                <a:ea typeface="+mn-ea"/>
+                <a:cs typeface="+mn-cs"/>
+              </a:defRPr>
+            </a:lvl8pPr>
+            <a:lvl9pPr marL="3657600" indent="0" algn="ctr" defTabSz="914400" rtl="0" eaLnBrk="1" latinLnBrk="0" hangingPunct="1">
+              <a:spcBef>
+                <a:spcPts val="300"/>
+              </a:spcBef>
+              <a:buClr>
+                <a:schemeClr val="accent2"/>
+              </a:buClr>
+              <a:buFont typeface="Wingdings" pitchFamily="2" charset="2"/>
+              <a:buNone/>
+              <a:defRPr sz="1400" kern="1200">
+                <a:solidFill>
+                  <a:schemeClr val="tx1">
+                    <a:tint val="75000"/>
+                  </a:schemeClr>
+                </a:solidFill>
+                <a:latin typeface="+mn-lt"/>
+                <a:ea typeface="+mn-ea"/>
+                <a:cs typeface="+mn-cs"/>
+              </a:defRPr>
+            </a:lvl9pPr>
+          </a:lstStyle>
+          <a:p>
+            <a:r>
+              <a:rPr lang="en-US" dirty="0" smtClean="0"/>
+              <a:t>CIS565 GPU Programming and Architecture</a:t>
+            </a:r>
+          </a:p>
+          <a:p>
+            <a:r>
+              <a:rPr lang="en-US" dirty="0" err="1" smtClean="0"/>
+              <a:t>Vimanyu</a:t>
+            </a:r>
+            <a:r>
+              <a:rPr lang="en-US" dirty="0" smtClean="0"/>
+              <a:t> Jain &amp; Mikey Chen</a:t>
+            </a:r>
+          </a:p>
+          <a:p>
             <a:endParaRPr lang="en-US" dirty="0"/>
           </a:p>
         </p:txBody>
@@ -4846,6 +5068,71 @@
     <p:extLst>
       <p:ext uri="{BB962C8B-B14F-4D97-AF65-F5344CB8AC3E}">
         <p14:creationId xmlns:p14="http://schemas.microsoft.com/office/powerpoint/2010/main" val="3120858470"/>
+      </p:ext>
+    </p:extLst>
+  </p:cSld>
+  <p:clrMapOvr>
+    <a:masterClrMapping/>
+  </p:clrMapOvr>
+  <p:timing>
+    <p:tnLst>
+      <p:par>
+        <p:cTn id="1" dur="indefinite" restart="never" nodeType="tmRoot"/>
+      </p:par>
+    </p:tnLst>
+  </p:timing>
+</p:sld>
+</file>
+
+<file path=ppt/slides/slide10.xml><?xml version="1.0" encoding="utf-8"?>
+<p:sld xmlns:a="http://schemas.openxmlformats.org/drawingml/2006/main" xmlns:r="http://schemas.openxmlformats.org/officeDocument/2006/relationships" xmlns:p="http://schemas.openxmlformats.org/presentationml/2006/main">
+  <p:cSld>
+    <p:spTree>
+      <p:nvGrpSpPr>
+        <p:cNvPr id="1" name=""/>
+        <p:cNvGrpSpPr/>
+        <p:nvPr/>
+      </p:nvGrpSpPr>
+      <p:grpSpPr>
+        <a:xfrm>
+          <a:off x="0" y="0"/>
+          <a:ext cx="0" cy="0"/>
+          <a:chOff x="0" y="0"/>
+          <a:chExt cx="0" cy="0"/>
+        </a:xfrm>
+      </p:grpSpPr>
+      <p:sp>
+        <p:nvSpPr>
+          <p:cNvPr id="2" name="Title 1"/>
+          <p:cNvSpPr>
+            <a:spLocks noGrp="1"/>
+          </p:cNvSpPr>
+          <p:nvPr>
+            <p:ph type="title"/>
+          </p:nvPr>
+        </p:nvSpPr>
+        <p:spPr>
+          <a:xfrm rot="19140000">
+            <a:off x="998431" y="1934196"/>
+            <a:ext cx="5650992" cy="1207509"/>
+          </a:xfrm>
+        </p:spPr>
+        <p:txBody>
+          <a:bodyPr/>
+          <a:lstStyle/>
+          <a:p>
+            <a:r>
+              <a:rPr lang="en-US" dirty="0" smtClean="0"/>
+              <a:t>THANK YOU!</a:t>
+            </a:r>
+            <a:endParaRPr lang="en-US" dirty="0"/>
+          </a:p>
+        </p:txBody>
+      </p:sp>
+    </p:spTree>
+    <p:extLst>
+      <p:ext uri="{BB962C8B-B14F-4D97-AF65-F5344CB8AC3E}">
+        <p14:creationId xmlns:p14="http://schemas.microsoft.com/office/powerpoint/2010/main" val="3208665121"/>
       </p:ext>
     </p:extLst>
   </p:cSld>
@@ -4929,458 +5216,6 @@
 </file>
 
 <file path=ppt/slides/slide3.xml><?xml version="1.0" encoding="utf-8"?>
-<p:sld xmlns:a="http://schemas.openxmlformats.org/drawingml/2006/main" xmlns:r="http://schemas.openxmlformats.org/officeDocument/2006/relationships" xmlns:p="http://schemas.openxmlformats.org/presentationml/2006/main">
-  <p:cSld>
-    <p:spTree>
-      <p:nvGrpSpPr>
-        <p:cNvPr id="1" name=""/>
-        <p:cNvGrpSpPr/>
-        <p:nvPr/>
-      </p:nvGrpSpPr>
-      <p:grpSpPr>
-        <a:xfrm>
-          <a:off x="0" y="0"/>
-          <a:ext cx="0" cy="0"/>
-          <a:chOff x="0" y="0"/>
-          <a:chExt cx="0" cy="0"/>
-        </a:xfrm>
-      </p:grpSpPr>
-      <p:sp>
-        <p:nvSpPr>
-          <p:cNvPr id="2" name="Title 1"/>
-          <p:cNvSpPr>
-            <a:spLocks noGrp="1"/>
-          </p:cNvSpPr>
-          <p:nvPr>
-            <p:ph type="title"/>
-          </p:nvPr>
-        </p:nvSpPr>
-        <p:spPr/>
-        <p:txBody>
-          <a:bodyPr/>
-          <a:lstStyle/>
-          <a:p>
-            <a:r>
-              <a:rPr lang="en-US" dirty="0" smtClean="0"/>
-              <a:t>PROJECT MILESTONES</a:t>
-            </a:r>
-            <a:endParaRPr lang="en-US" dirty="0"/>
-          </a:p>
-        </p:txBody>
-      </p:sp>
-      <p:sp>
-        <p:nvSpPr>
-          <p:cNvPr id="4" name="Content Placeholder 3"/>
-          <p:cNvSpPr>
-            <a:spLocks noGrp="1"/>
-          </p:cNvSpPr>
-          <p:nvPr>
-            <p:ph idx="1"/>
-          </p:nvPr>
-        </p:nvSpPr>
-        <p:spPr/>
-        <p:txBody>
-          <a:bodyPr>
-            <a:normAutofit fontScale="92500" lnSpcReduction="10000"/>
-          </a:bodyPr>
-          <a:lstStyle/>
-          <a:p>
-            <a:pPr>
-              <a:buFont typeface="Wingdings" panose="05000000000000000000" pitchFamily="2" charset="2"/>
-              <a:buChar char="Ø"/>
-            </a:pPr>
-            <a:r>
-              <a:rPr lang="en-US" sz="2400" b="0" dirty="0" smtClean="0"/>
-              <a:t>Get acquainted with tessellation </a:t>
-            </a:r>
-            <a:r>
-              <a:rPr lang="en-US" sz="2400" b="0" dirty="0" err="1" smtClean="0"/>
-              <a:t>shader</a:t>
-            </a:r>
-            <a:r>
-              <a:rPr lang="en-US" sz="2400" b="0" dirty="0" smtClean="0"/>
-              <a:t> pipeline</a:t>
-            </a:r>
-          </a:p>
-          <a:p>
-            <a:pPr lvl="2">
-              <a:buFont typeface="Wingdings" panose="05000000000000000000" pitchFamily="2" charset="2"/>
-              <a:buChar char="Ø"/>
-            </a:pPr>
-            <a:r>
-              <a:rPr lang="en-US" sz="2400" dirty="0"/>
-              <a:t> </a:t>
-            </a:r>
-            <a:r>
-              <a:rPr lang="en-US" sz="2400" dirty="0" smtClean="0"/>
-              <a:t>Use programmable </a:t>
-            </a:r>
-            <a:r>
-              <a:rPr lang="en-US" sz="2400" dirty="0" smtClean="0"/>
-              <a:t>tessellation </a:t>
-            </a:r>
-            <a:r>
-              <a:rPr lang="en-US" sz="2400" dirty="0" smtClean="0"/>
-              <a:t>control </a:t>
-            </a:r>
-            <a:r>
-              <a:rPr lang="en-US" sz="2400" dirty="0" err="1" smtClean="0"/>
-              <a:t>shader</a:t>
-            </a:r>
-            <a:r>
-              <a:rPr lang="en-US" sz="2400" dirty="0" smtClean="0"/>
-              <a:t> and tessellation evaluation </a:t>
-            </a:r>
-            <a:r>
-              <a:rPr lang="en-US" sz="2400" dirty="0" err="1" smtClean="0"/>
-              <a:t>shader</a:t>
-            </a:r>
-            <a:endParaRPr lang="en-US" sz="2400" dirty="0" smtClean="0"/>
-          </a:p>
-          <a:p>
-            <a:pPr lvl="1">
-              <a:buFont typeface="Wingdings" panose="05000000000000000000" pitchFamily="2" charset="2"/>
-              <a:buChar char="Ø"/>
-            </a:pPr>
-            <a:r>
-              <a:rPr lang="en-US" sz="2400" dirty="0"/>
-              <a:t> </a:t>
-            </a:r>
-            <a:r>
-              <a:rPr lang="en-US" sz="2400" dirty="0" smtClean="0"/>
-              <a:t>Implement dynamic LOD system based on projected size of edges in screen space</a:t>
-            </a:r>
-          </a:p>
-          <a:p>
-            <a:pPr lvl="1">
-              <a:buFont typeface="Wingdings" panose="05000000000000000000" pitchFamily="2" charset="2"/>
-              <a:buChar char="Ø"/>
-            </a:pPr>
-            <a:r>
-              <a:rPr lang="en-US" sz="2400" dirty="0" smtClean="0"/>
-              <a:t>Generate terrain procedurally using noise functions</a:t>
-            </a:r>
-          </a:p>
-          <a:p>
-            <a:pPr lvl="1">
-              <a:buFont typeface="Wingdings" panose="05000000000000000000" pitchFamily="2" charset="2"/>
-              <a:buChar char="Ø"/>
-            </a:pPr>
-            <a:r>
-              <a:rPr lang="en-US" sz="2400" dirty="0" smtClean="0"/>
-              <a:t>Render terrain procedurally</a:t>
-            </a:r>
-          </a:p>
-          <a:p>
-            <a:pPr lvl="2">
-              <a:buFont typeface="Wingdings" panose="05000000000000000000" pitchFamily="2" charset="2"/>
-              <a:buChar char="Ø"/>
-            </a:pPr>
-            <a:r>
-              <a:rPr lang="en-US" sz="2400" dirty="0" smtClean="0"/>
-              <a:t>Extract </a:t>
-            </a:r>
-            <a:r>
-              <a:rPr lang="en-US" sz="2400" dirty="0" err="1" smtClean="0"/>
-              <a:t>normals</a:t>
-            </a:r>
-            <a:r>
-              <a:rPr lang="en-US" sz="2400" dirty="0" smtClean="0"/>
-              <a:t> from height map</a:t>
-            </a:r>
-          </a:p>
-          <a:p>
-            <a:pPr lvl="2">
-              <a:buFont typeface="Wingdings" panose="05000000000000000000" pitchFamily="2" charset="2"/>
-              <a:buChar char="Ø"/>
-            </a:pPr>
-            <a:r>
-              <a:rPr lang="en-US" sz="2400" dirty="0" smtClean="0"/>
-              <a:t>Shade the terrain based on slope </a:t>
-            </a:r>
-            <a:r>
-              <a:rPr lang="en-US" sz="2400" dirty="0" smtClean="0"/>
-              <a:t>(e.g.: </a:t>
-            </a:r>
-            <a:r>
-              <a:rPr lang="en-US" sz="2400" dirty="0" smtClean="0"/>
-              <a:t>snow)</a:t>
-            </a:r>
-          </a:p>
-          <a:p>
-            <a:pPr lvl="2">
-              <a:buFont typeface="Wingdings" panose="05000000000000000000" pitchFamily="2" charset="2"/>
-              <a:buChar char="Ø"/>
-            </a:pPr>
-            <a:r>
-              <a:rPr lang="en-US" sz="2400" dirty="0" smtClean="0"/>
-              <a:t>Different </a:t>
-            </a:r>
-            <a:r>
-              <a:rPr lang="en-US" sz="2400" dirty="0" err="1" smtClean="0"/>
-              <a:t>shader</a:t>
-            </a:r>
-            <a:r>
-              <a:rPr lang="en-US" sz="2400" dirty="0" smtClean="0"/>
-              <a:t> for water</a:t>
-            </a:r>
-          </a:p>
-          <a:p>
-            <a:pPr lvl="1">
-              <a:buFont typeface="Wingdings" panose="05000000000000000000" pitchFamily="2" charset="2"/>
-              <a:buChar char="Ø"/>
-            </a:pPr>
-            <a:endParaRPr lang="en-US" dirty="0"/>
-          </a:p>
-        </p:txBody>
-      </p:sp>
-    </p:spTree>
-    <p:extLst>
-      <p:ext uri="{BB962C8B-B14F-4D97-AF65-F5344CB8AC3E}">
-        <p14:creationId xmlns:p14="http://schemas.microsoft.com/office/powerpoint/2010/main" val="3766198128"/>
-      </p:ext>
-    </p:extLst>
-  </p:cSld>
-  <p:clrMapOvr>
-    <a:masterClrMapping/>
-  </p:clrMapOvr>
-  <p:timing>
-    <p:tnLst>
-      <p:par>
-        <p:cTn id="1" dur="indefinite" restart="never" nodeType="tmRoot"/>
-      </p:par>
-    </p:tnLst>
-  </p:timing>
-</p:sld>
-</file>
-
-<file path=ppt/slides/slide4.xml><?xml version="1.0" encoding="utf-8"?>
-<p:sld xmlns:a="http://schemas.openxmlformats.org/drawingml/2006/main" xmlns:r="http://schemas.openxmlformats.org/officeDocument/2006/relationships" xmlns:p="http://schemas.openxmlformats.org/presentationml/2006/main">
-  <p:cSld>
-    <p:spTree>
-      <p:nvGrpSpPr>
-        <p:cNvPr id="1" name=""/>
-        <p:cNvGrpSpPr/>
-        <p:nvPr/>
-      </p:nvGrpSpPr>
-      <p:grpSpPr>
-        <a:xfrm>
-          <a:off x="0" y="0"/>
-          <a:ext cx="0" cy="0"/>
-          <a:chOff x="0" y="0"/>
-          <a:chExt cx="0" cy="0"/>
-        </a:xfrm>
-      </p:grpSpPr>
-      <p:sp>
-        <p:nvSpPr>
-          <p:cNvPr id="2" name="Title 1"/>
-          <p:cNvSpPr>
-            <a:spLocks noGrp="1"/>
-          </p:cNvSpPr>
-          <p:nvPr>
-            <p:ph type="title"/>
-          </p:nvPr>
-        </p:nvSpPr>
-        <p:spPr/>
-        <p:txBody>
-          <a:bodyPr/>
-          <a:lstStyle/>
-          <a:p>
-            <a:r>
-              <a:rPr lang="en-US" dirty="0" smtClean="0"/>
-              <a:t>PROJECT MILESTONES</a:t>
-            </a:r>
-            <a:endParaRPr lang="en-US" dirty="0"/>
-          </a:p>
-        </p:txBody>
-      </p:sp>
-      <p:sp>
-        <p:nvSpPr>
-          <p:cNvPr id="4" name="Content Placeholder 3"/>
-          <p:cNvSpPr>
-            <a:spLocks noGrp="1"/>
-          </p:cNvSpPr>
-          <p:nvPr>
-            <p:ph idx="1"/>
-          </p:nvPr>
-        </p:nvSpPr>
-        <p:spPr/>
-        <p:txBody>
-          <a:bodyPr>
-            <a:normAutofit fontScale="92500" lnSpcReduction="10000"/>
-          </a:bodyPr>
-          <a:lstStyle/>
-          <a:p>
-            <a:pPr>
-              <a:buFont typeface="Wingdings" panose="05000000000000000000" pitchFamily="2" charset="2"/>
-              <a:buChar char="Ø"/>
-            </a:pPr>
-            <a:r>
-              <a:rPr lang="en-US" sz="2400" b="0" strike="sngStrike" dirty="0" smtClean="0"/>
-              <a:t>Get acquainted with tessellation </a:t>
-            </a:r>
-            <a:r>
-              <a:rPr lang="en-US" sz="2400" b="0" strike="sngStrike" dirty="0" err="1" smtClean="0"/>
-              <a:t>shader</a:t>
-            </a:r>
-            <a:r>
-              <a:rPr lang="en-US" sz="2400" b="0" strike="sngStrike" dirty="0" smtClean="0"/>
-              <a:t> pipeline</a:t>
-            </a:r>
-          </a:p>
-          <a:p>
-            <a:pPr lvl="2">
-              <a:buFont typeface="Wingdings" panose="05000000000000000000" pitchFamily="2" charset="2"/>
-              <a:buChar char="Ø"/>
-            </a:pPr>
-            <a:r>
-              <a:rPr lang="en-US" sz="2400" strike="sngStrike" dirty="0"/>
-              <a:t> </a:t>
-            </a:r>
-            <a:r>
-              <a:rPr lang="en-US" sz="2400" strike="sngStrike" dirty="0" smtClean="0"/>
-              <a:t>Use programmable </a:t>
-            </a:r>
-            <a:r>
-              <a:rPr lang="en-US" sz="2400" strike="sngStrike" dirty="0" smtClean="0"/>
-              <a:t>tessellation </a:t>
-            </a:r>
-            <a:r>
-              <a:rPr lang="en-US" sz="2400" strike="sngStrike" dirty="0" smtClean="0"/>
-              <a:t>control </a:t>
-            </a:r>
-            <a:r>
-              <a:rPr lang="en-US" sz="2400" strike="sngStrike" dirty="0" err="1" smtClean="0"/>
-              <a:t>shader</a:t>
-            </a:r>
-            <a:r>
-              <a:rPr lang="en-US" sz="2400" strike="sngStrike" dirty="0" smtClean="0"/>
-              <a:t> and tessellation evaluation </a:t>
-            </a:r>
-            <a:r>
-              <a:rPr lang="en-US" sz="2400" strike="sngStrike" dirty="0" err="1" smtClean="0"/>
-              <a:t>shader</a:t>
-            </a:r>
-            <a:endParaRPr lang="en-US" sz="2400" strike="sngStrike" dirty="0" smtClean="0"/>
-          </a:p>
-          <a:p>
-            <a:pPr lvl="1">
-              <a:buFont typeface="Wingdings" panose="05000000000000000000" pitchFamily="2" charset="2"/>
-              <a:buChar char="Ø"/>
-            </a:pPr>
-            <a:r>
-              <a:rPr lang="en-US" sz="2400" strike="sngStrike" dirty="0"/>
-              <a:t> </a:t>
-            </a:r>
-            <a:r>
-              <a:rPr lang="en-US" sz="2400" strike="sngStrike" dirty="0" smtClean="0"/>
-              <a:t>Implement dynamic LOD system based on projected size of edges in screen space</a:t>
-            </a:r>
-          </a:p>
-          <a:p>
-            <a:pPr lvl="1">
-              <a:buFont typeface="Wingdings" panose="05000000000000000000" pitchFamily="2" charset="2"/>
-              <a:buChar char="Ø"/>
-            </a:pPr>
-            <a:r>
-              <a:rPr lang="en-US" sz="2400" dirty="0" smtClean="0"/>
-              <a:t>Generate terrain procedurally using noise functions</a:t>
-            </a:r>
-          </a:p>
-          <a:p>
-            <a:pPr lvl="1">
-              <a:buFont typeface="Wingdings" panose="05000000000000000000" pitchFamily="2" charset="2"/>
-              <a:buChar char="Ø"/>
-            </a:pPr>
-            <a:r>
-              <a:rPr lang="en-US" sz="2400" dirty="0" smtClean="0"/>
-              <a:t>Render terrain procedurally</a:t>
-            </a:r>
-          </a:p>
-          <a:p>
-            <a:pPr lvl="2">
-              <a:buFont typeface="Wingdings" panose="05000000000000000000" pitchFamily="2" charset="2"/>
-              <a:buChar char="Ø"/>
-            </a:pPr>
-            <a:r>
-              <a:rPr lang="en-US" sz="2400" dirty="0" smtClean="0"/>
-              <a:t>Extract </a:t>
-            </a:r>
-            <a:r>
-              <a:rPr lang="en-US" sz="2400" dirty="0" err="1" smtClean="0"/>
-              <a:t>normals</a:t>
-            </a:r>
-            <a:r>
-              <a:rPr lang="en-US" sz="2400" dirty="0" smtClean="0"/>
-              <a:t> from height map</a:t>
-            </a:r>
-          </a:p>
-          <a:p>
-            <a:pPr lvl="2">
-              <a:buFont typeface="Wingdings" panose="05000000000000000000" pitchFamily="2" charset="2"/>
-              <a:buChar char="Ø"/>
-            </a:pPr>
-            <a:r>
-              <a:rPr lang="en-US" sz="2400" dirty="0" smtClean="0"/>
-              <a:t>Shade the terrain based on slope (</a:t>
-            </a:r>
-            <a:r>
-              <a:rPr lang="en-US" sz="2400" dirty="0" err="1" smtClean="0"/>
-              <a:t>eg</a:t>
-            </a:r>
-            <a:r>
-              <a:rPr lang="en-US" sz="2400" dirty="0" smtClean="0"/>
-              <a:t>: snow)</a:t>
-            </a:r>
-          </a:p>
-          <a:p>
-            <a:pPr lvl="2">
-              <a:buFont typeface="Wingdings" panose="05000000000000000000" pitchFamily="2" charset="2"/>
-              <a:buChar char="Ø"/>
-            </a:pPr>
-            <a:r>
-              <a:rPr lang="en-US" sz="2400" dirty="0" smtClean="0"/>
-              <a:t>Different </a:t>
-            </a:r>
-            <a:r>
-              <a:rPr lang="en-US" sz="2400" dirty="0" err="1" smtClean="0"/>
-              <a:t>shader</a:t>
-            </a:r>
-            <a:r>
-              <a:rPr lang="en-US" sz="2400" dirty="0" smtClean="0"/>
-              <a:t> for water</a:t>
-            </a:r>
-          </a:p>
-          <a:p>
-            <a:pPr lvl="1">
-              <a:buFont typeface="Wingdings" panose="05000000000000000000" pitchFamily="2" charset="2"/>
-              <a:buChar char="Ø"/>
-            </a:pPr>
-            <a:endParaRPr lang="en-US" dirty="0"/>
-          </a:p>
-        </p:txBody>
-      </p:sp>
-    </p:spTree>
-    <p:extLst>
-      <p:ext uri="{BB962C8B-B14F-4D97-AF65-F5344CB8AC3E}">
-        <p14:creationId xmlns:p14="http://schemas.microsoft.com/office/powerpoint/2010/main" val="1637230868"/>
-      </p:ext>
-    </p:extLst>
-  </p:cSld>
-  <p:clrMapOvr>
-    <a:masterClrMapping/>
-  </p:clrMapOvr>
-  <p:timing>
-    <p:tnLst>
-      <p:par>
-        <p:cTn id="1" dur="indefinite" restart="never" nodeType="tmRoot"/>
-      </p:par>
-    </p:tnLst>
-  </p:timing>
-</p:sld>
-</file>
-
-<file path=ppt/slides/slide5.xml><?xml version="1.0" encoding="utf-8"?>
 <p:sld xmlns:a="http://schemas.openxmlformats.org/drawingml/2006/main" xmlns:r="http://schemas.openxmlformats.org/officeDocument/2006/relationships" xmlns:p="http://schemas.openxmlformats.org/presentationml/2006/main" showMasterSp="0">
   <p:cSld>
     <p:spTree>
@@ -5458,7 +5293,7 @@
 </p:sld>
 </file>
 
-<file path=ppt/slides/slide6.xml><?xml version="1.0" encoding="utf-8"?>
+<file path=ppt/slides/slide4.xml><?xml version="1.0" encoding="utf-8"?>
 <p:sld xmlns:a="http://schemas.openxmlformats.org/drawingml/2006/main" xmlns:r="http://schemas.openxmlformats.org/officeDocument/2006/relationships" xmlns:p="http://schemas.openxmlformats.org/presentationml/2006/main" showMasterSp="0">
   <p:cSld>
     <p:spTree>
@@ -5536,6 +5371,434 @@
 </p:sld>
 </file>
 
+<file path=ppt/slides/slide5.xml><?xml version="1.0" encoding="utf-8"?>
+<p:sld xmlns:a="http://schemas.openxmlformats.org/drawingml/2006/main" xmlns:r="http://schemas.openxmlformats.org/officeDocument/2006/relationships" xmlns:p="http://schemas.openxmlformats.org/presentationml/2006/main">
+  <p:cSld>
+    <p:spTree>
+      <p:nvGrpSpPr>
+        <p:cNvPr id="1" name=""/>
+        <p:cNvGrpSpPr/>
+        <p:nvPr/>
+      </p:nvGrpSpPr>
+      <p:grpSpPr>
+        <a:xfrm>
+          <a:off x="0" y="0"/>
+          <a:ext cx="0" cy="0"/>
+          <a:chOff x="0" y="0"/>
+          <a:chExt cx="0" cy="0"/>
+        </a:xfrm>
+      </p:grpSpPr>
+      <p:sp>
+        <p:nvSpPr>
+          <p:cNvPr id="2" name="Title 1"/>
+          <p:cNvSpPr>
+            <a:spLocks noGrp="1"/>
+          </p:cNvSpPr>
+          <p:nvPr>
+            <p:ph type="title"/>
+          </p:nvPr>
+        </p:nvSpPr>
+        <p:spPr/>
+        <p:txBody>
+          <a:bodyPr/>
+          <a:lstStyle/>
+          <a:p>
+            <a:r>
+              <a:rPr lang="en-US" dirty="0" smtClean="0"/>
+              <a:t>PROJECT MILESTONES</a:t>
+            </a:r>
+            <a:endParaRPr lang="en-US" dirty="0"/>
+          </a:p>
+        </p:txBody>
+      </p:sp>
+      <p:sp>
+        <p:nvSpPr>
+          <p:cNvPr id="4" name="Content Placeholder 3"/>
+          <p:cNvSpPr>
+            <a:spLocks noGrp="1"/>
+          </p:cNvSpPr>
+          <p:nvPr>
+            <p:ph idx="1"/>
+          </p:nvPr>
+        </p:nvSpPr>
+        <p:spPr/>
+        <p:txBody>
+          <a:bodyPr>
+            <a:normAutofit fontScale="92500" lnSpcReduction="10000"/>
+          </a:bodyPr>
+          <a:lstStyle/>
+          <a:p>
+            <a:pPr>
+              <a:buFont typeface="Wingdings" panose="05000000000000000000" pitchFamily="2" charset="2"/>
+              <a:buChar char="Ø"/>
+            </a:pPr>
+            <a:r>
+              <a:rPr lang="en-US" sz="2400" b="0" dirty="0" smtClean="0"/>
+              <a:t>Get acquainted with tessellation </a:t>
+            </a:r>
+            <a:r>
+              <a:rPr lang="en-US" sz="2400" b="0" dirty="0" err="1" smtClean="0"/>
+              <a:t>shader</a:t>
+            </a:r>
+            <a:r>
+              <a:rPr lang="en-US" sz="2400" b="0" dirty="0" smtClean="0"/>
+              <a:t> pipeline</a:t>
+            </a:r>
+          </a:p>
+          <a:p>
+            <a:pPr lvl="2">
+              <a:buFont typeface="Wingdings" panose="05000000000000000000" pitchFamily="2" charset="2"/>
+              <a:buChar char="Ø"/>
+            </a:pPr>
+            <a:r>
+              <a:rPr lang="en-US" sz="2400" dirty="0"/>
+              <a:t> </a:t>
+            </a:r>
+            <a:r>
+              <a:rPr lang="en-US" sz="2400" dirty="0" smtClean="0"/>
+              <a:t>Use programmable tessellation control </a:t>
+            </a:r>
+            <a:r>
+              <a:rPr lang="en-US" sz="2400" dirty="0" err="1" smtClean="0"/>
+              <a:t>shader</a:t>
+            </a:r>
+            <a:r>
+              <a:rPr lang="en-US" sz="2400" dirty="0" smtClean="0"/>
+              <a:t> and tessellation evaluation </a:t>
+            </a:r>
+            <a:r>
+              <a:rPr lang="en-US" sz="2400" dirty="0" err="1" smtClean="0"/>
+              <a:t>shader</a:t>
+            </a:r>
+            <a:endParaRPr lang="en-US" sz="2400" dirty="0" smtClean="0"/>
+          </a:p>
+          <a:p>
+            <a:pPr lvl="1">
+              <a:buFont typeface="Wingdings" panose="05000000000000000000" pitchFamily="2" charset="2"/>
+              <a:buChar char="Ø"/>
+            </a:pPr>
+            <a:r>
+              <a:rPr lang="en-US" sz="2400" dirty="0"/>
+              <a:t> </a:t>
+            </a:r>
+            <a:r>
+              <a:rPr lang="en-US" sz="2400" dirty="0" smtClean="0"/>
+              <a:t>Implement dynamic LOD system based on projected size of edges in screen space</a:t>
+            </a:r>
+          </a:p>
+          <a:p>
+            <a:pPr lvl="1">
+              <a:buFont typeface="Wingdings" panose="05000000000000000000" pitchFamily="2" charset="2"/>
+              <a:buChar char="Ø"/>
+            </a:pPr>
+            <a:r>
+              <a:rPr lang="en-US" sz="2400" dirty="0" smtClean="0"/>
+              <a:t>Generate terrain procedurally using noise functions</a:t>
+            </a:r>
+          </a:p>
+          <a:p>
+            <a:pPr lvl="1">
+              <a:buFont typeface="Wingdings" panose="05000000000000000000" pitchFamily="2" charset="2"/>
+              <a:buChar char="Ø"/>
+            </a:pPr>
+            <a:r>
+              <a:rPr lang="en-US" sz="2400" dirty="0" smtClean="0"/>
+              <a:t>Render terrain procedurally</a:t>
+            </a:r>
+          </a:p>
+          <a:p>
+            <a:pPr lvl="2">
+              <a:buFont typeface="Wingdings" panose="05000000000000000000" pitchFamily="2" charset="2"/>
+              <a:buChar char="Ø"/>
+            </a:pPr>
+            <a:r>
+              <a:rPr lang="en-US" sz="2400" dirty="0" smtClean="0"/>
+              <a:t>Extract </a:t>
+            </a:r>
+            <a:r>
+              <a:rPr lang="en-US" sz="2400" dirty="0" err="1" smtClean="0"/>
+              <a:t>normals</a:t>
+            </a:r>
+            <a:r>
+              <a:rPr lang="en-US" sz="2400" dirty="0" smtClean="0"/>
+              <a:t> from height map</a:t>
+            </a:r>
+          </a:p>
+          <a:p>
+            <a:pPr lvl="2">
+              <a:buFont typeface="Wingdings" panose="05000000000000000000" pitchFamily="2" charset="2"/>
+              <a:buChar char="Ø"/>
+            </a:pPr>
+            <a:r>
+              <a:rPr lang="en-US" sz="2400" dirty="0" smtClean="0"/>
+              <a:t>Shade the terrain based on slope (e.g.: snow)</a:t>
+            </a:r>
+          </a:p>
+          <a:p>
+            <a:pPr lvl="2">
+              <a:buFont typeface="Wingdings" panose="05000000000000000000" pitchFamily="2" charset="2"/>
+              <a:buChar char="Ø"/>
+            </a:pPr>
+            <a:r>
+              <a:rPr lang="en-US" sz="2400" dirty="0" smtClean="0"/>
+              <a:t>Different </a:t>
+            </a:r>
+            <a:r>
+              <a:rPr lang="en-US" sz="2400" dirty="0" err="1" smtClean="0"/>
+              <a:t>shader</a:t>
+            </a:r>
+            <a:r>
+              <a:rPr lang="en-US" sz="2400" dirty="0" smtClean="0"/>
+              <a:t> for water</a:t>
+            </a:r>
+          </a:p>
+          <a:p>
+            <a:pPr lvl="1">
+              <a:buFont typeface="Wingdings" panose="05000000000000000000" pitchFamily="2" charset="2"/>
+              <a:buChar char="Ø"/>
+            </a:pPr>
+            <a:endParaRPr lang="en-US" dirty="0"/>
+          </a:p>
+        </p:txBody>
+      </p:sp>
+    </p:spTree>
+    <p:extLst>
+      <p:ext uri="{BB962C8B-B14F-4D97-AF65-F5344CB8AC3E}">
+        <p14:creationId xmlns:p14="http://schemas.microsoft.com/office/powerpoint/2010/main" val="3766198128"/>
+      </p:ext>
+    </p:extLst>
+  </p:cSld>
+  <p:clrMapOvr>
+    <a:masterClrMapping/>
+  </p:clrMapOvr>
+  <p:timing>
+    <p:tnLst>
+      <p:par>
+        <p:cTn id="1" dur="indefinite" restart="never" nodeType="tmRoot"/>
+      </p:par>
+    </p:tnLst>
+  </p:timing>
+</p:sld>
+</file>
+
+<file path=ppt/slides/slide6.xml><?xml version="1.0" encoding="utf-8"?>
+<p:sld xmlns:a="http://schemas.openxmlformats.org/drawingml/2006/main" xmlns:r="http://schemas.openxmlformats.org/officeDocument/2006/relationships" xmlns:p="http://schemas.openxmlformats.org/presentationml/2006/main">
+  <p:cSld>
+    <p:spTree>
+      <p:nvGrpSpPr>
+        <p:cNvPr id="1" name=""/>
+        <p:cNvGrpSpPr/>
+        <p:nvPr/>
+      </p:nvGrpSpPr>
+      <p:grpSpPr>
+        <a:xfrm>
+          <a:off x="0" y="0"/>
+          <a:ext cx="0" cy="0"/>
+          <a:chOff x="0" y="0"/>
+          <a:chExt cx="0" cy="0"/>
+        </a:xfrm>
+      </p:grpSpPr>
+      <p:sp>
+        <p:nvSpPr>
+          <p:cNvPr id="2" name="Title 1"/>
+          <p:cNvSpPr>
+            <a:spLocks noGrp="1"/>
+          </p:cNvSpPr>
+          <p:nvPr>
+            <p:ph type="title"/>
+          </p:nvPr>
+        </p:nvSpPr>
+        <p:spPr/>
+        <p:txBody>
+          <a:bodyPr/>
+          <a:lstStyle/>
+          <a:p>
+            <a:r>
+              <a:rPr lang="en-US" dirty="0" smtClean="0"/>
+              <a:t>PROJECT MILESTONES</a:t>
+            </a:r>
+            <a:endParaRPr lang="en-US" dirty="0"/>
+          </a:p>
+        </p:txBody>
+      </p:sp>
+      <p:sp>
+        <p:nvSpPr>
+          <p:cNvPr id="4" name="Content Placeholder 3"/>
+          <p:cNvSpPr>
+            <a:spLocks noGrp="1"/>
+          </p:cNvSpPr>
+          <p:nvPr>
+            <p:ph idx="1"/>
+          </p:nvPr>
+        </p:nvSpPr>
+        <p:spPr/>
+        <p:txBody>
+          <a:bodyPr>
+            <a:normAutofit fontScale="92500" lnSpcReduction="10000"/>
+          </a:bodyPr>
+          <a:lstStyle/>
+          <a:p>
+            <a:pPr>
+              <a:buFont typeface="Wingdings" panose="05000000000000000000" pitchFamily="2" charset="2"/>
+              <a:buChar char="Ø"/>
+            </a:pPr>
+            <a:r>
+              <a:rPr lang="en-US" sz="2400" b="0" strike="sngStrike" dirty="0" smtClean="0"/>
+              <a:t>Get acquainted with tessellation </a:t>
+            </a:r>
+            <a:r>
+              <a:rPr lang="en-US" sz="2400" b="0" strike="sngStrike" dirty="0" err="1" smtClean="0"/>
+              <a:t>shader</a:t>
+            </a:r>
+            <a:r>
+              <a:rPr lang="en-US" sz="2400" b="0" strike="sngStrike" dirty="0" smtClean="0"/>
+              <a:t> pipeline</a:t>
+            </a:r>
+          </a:p>
+          <a:p>
+            <a:pPr lvl="2">
+              <a:buFont typeface="Wingdings" panose="05000000000000000000" pitchFamily="2" charset="2"/>
+              <a:buChar char="Ø"/>
+            </a:pPr>
+            <a:r>
+              <a:rPr lang="en-US" sz="2400" strike="sngStrike" dirty="0"/>
+              <a:t> </a:t>
+            </a:r>
+            <a:r>
+              <a:rPr lang="en-US" sz="2400" strike="sngStrike" dirty="0" smtClean="0"/>
+              <a:t>Use programmable tessellation control </a:t>
+            </a:r>
+            <a:r>
+              <a:rPr lang="en-US" sz="2400" strike="sngStrike" dirty="0" err="1" smtClean="0"/>
+              <a:t>shader</a:t>
+            </a:r>
+            <a:r>
+              <a:rPr lang="en-US" sz="2400" strike="sngStrike" dirty="0" smtClean="0"/>
+              <a:t> and tessellation evaluation </a:t>
+            </a:r>
+            <a:r>
+              <a:rPr lang="en-US" sz="2400" strike="sngStrike" dirty="0" err="1" smtClean="0"/>
+              <a:t>shader</a:t>
+            </a:r>
+            <a:endParaRPr lang="en-US" sz="2400" strike="sngStrike" dirty="0" smtClean="0"/>
+          </a:p>
+          <a:p>
+            <a:pPr lvl="1">
+              <a:buFont typeface="Wingdings" panose="05000000000000000000" pitchFamily="2" charset="2"/>
+              <a:buChar char="Ø"/>
+            </a:pPr>
+            <a:r>
+              <a:rPr lang="en-US" sz="2400" strike="sngStrike" dirty="0"/>
+              <a:t> </a:t>
+            </a:r>
+            <a:r>
+              <a:rPr lang="en-US" sz="2400" strike="sngStrike" dirty="0" smtClean="0"/>
+              <a:t>Implement dynamic LOD system based on projected size of edges in screen space</a:t>
+            </a:r>
+          </a:p>
+          <a:p>
+            <a:pPr lvl="1">
+              <a:buFont typeface="Wingdings" panose="05000000000000000000" pitchFamily="2" charset="2"/>
+              <a:buChar char="Ø"/>
+            </a:pPr>
+            <a:r>
+              <a:rPr lang="en-US" sz="2400" dirty="0" smtClean="0"/>
+              <a:t>Generate terrain procedurally using noise functions</a:t>
+            </a:r>
+          </a:p>
+          <a:p>
+            <a:pPr lvl="1">
+              <a:buFont typeface="Wingdings" panose="05000000000000000000" pitchFamily="2" charset="2"/>
+              <a:buChar char="Ø"/>
+            </a:pPr>
+            <a:r>
+              <a:rPr lang="en-US" sz="2400" dirty="0" smtClean="0"/>
+              <a:t>Render terrain procedurally</a:t>
+            </a:r>
+          </a:p>
+          <a:p>
+            <a:pPr lvl="2">
+              <a:buFont typeface="Wingdings" panose="05000000000000000000" pitchFamily="2" charset="2"/>
+              <a:buChar char="Ø"/>
+            </a:pPr>
+            <a:r>
+              <a:rPr lang="en-US" sz="2400" dirty="0" smtClean="0"/>
+              <a:t>Extract </a:t>
+            </a:r>
+            <a:r>
+              <a:rPr lang="en-US" sz="2400" dirty="0" err="1" smtClean="0"/>
+              <a:t>normals</a:t>
+            </a:r>
+            <a:r>
+              <a:rPr lang="en-US" sz="2400" dirty="0" smtClean="0"/>
+              <a:t> from height map</a:t>
+            </a:r>
+          </a:p>
+          <a:p>
+            <a:pPr lvl="2">
+              <a:buFont typeface="Wingdings" panose="05000000000000000000" pitchFamily="2" charset="2"/>
+              <a:buChar char="Ø"/>
+            </a:pPr>
+            <a:r>
+              <a:rPr lang="en-US" sz="2400" dirty="0" smtClean="0"/>
+              <a:t>Shade the terrain based on slope </a:t>
+            </a:r>
+            <a:r>
+              <a:rPr lang="en-US" sz="2400" dirty="0" smtClean="0"/>
+              <a:t>(e.g.: </a:t>
+            </a:r>
+            <a:r>
+              <a:rPr lang="en-US" sz="2400" dirty="0" smtClean="0"/>
+              <a:t>snow)</a:t>
+            </a:r>
+          </a:p>
+          <a:p>
+            <a:pPr lvl="2">
+              <a:buFont typeface="Wingdings" panose="05000000000000000000" pitchFamily="2" charset="2"/>
+              <a:buChar char="Ø"/>
+            </a:pPr>
+            <a:r>
+              <a:rPr lang="en-US" sz="2400" dirty="0" smtClean="0"/>
+              <a:t>Different </a:t>
+            </a:r>
+            <a:r>
+              <a:rPr lang="en-US" sz="2400" dirty="0" err="1" smtClean="0"/>
+              <a:t>shader</a:t>
+            </a:r>
+            <a:r>
+              <a:rPr lang="en-US" sz="2400" dirty="0" smtClean="0"/>
+              <a:t> for water</a:t>
+            </a:r>
+          </a:p>
+          <a:p>
+            <a:pPr lvl="1">
+              <a:buFont typeface="Wingdings" panose="05000000000000000000" pitchFamily="2" charset="2"/>
+              <a:buChar char="Ø"/>
+            </a:pPr>
+            <a:endParaRPr lang="en-US" dirty="0"/>
+          </a:p>
+        </p:txBody>
+      </p:sp>
+    </p:spTree>
+    <p:extLst>
+      <p:ext uri="{BB962C8B-B14F-4D97-AF65-F5344CB8AC3E}">
+        <p14:creationId xmlns:p14="http://schemas.microsoft.com/office/powerpoint/2010/main" val="1637230868"/>
+      </p:ext>
+    </p:extLst>
+  </p:cSld>
+  <p:clrMapOvr>
+    <a:masterClrMapping/>
+  </p:clrMapOvr>
+  <p:timing>
+    <p:tnLst>
+      <p:par>
+        <p:cTn id="1" dur="indefinite" restart="never" nodeType="tmRoot"/>
+      </p:par>
+    </p:tnLst>
+  </p:timing>
+</p:sld>
+</file>
+
 <file path=ppt/slides/slide7.xml><?xml version="1.0" encoding="utf-8"?>
 <p:sld xmlns:a="http://schemas.openxmlformats.org/drawingml/2006/main" xmlns:r="http://schemas.openxmlformats.org/officeDocument/2006/relationships" xmlns:p="http://schemas.openxmlformats.org/presentationml/2006/main">
   <p:cSld>
@@ -5587,37 +5850,37 @@
               <a:rPr lang="en-US" sz="4800" dirty="0" smtClean="0">
                 <a:latin typeface="Arial Black" panose="020B0A04020102020204" pitchFamily="34" charset="0"/>
               </a:rPr>
-              <a:t>REALLY </a:t>
-            </a:r>
+              <a:t>REALLY REALLY</a:t>
+            </a:r>
+          </a:p>
+          <a:p>
             <a:r>
               <a:rPr lang="en-US" sz="4800" dirty="0" smtClean="0">
                 <a:latin typeface="Arial Black" panose="020B0A04020102020204" pitchFamily="34" charset="0"/>
               </a:rPr>
-              <a:t>REALLY</a:t>
+              <a:t>REALLY COOL</a:t>
+            </a:r>
+            <a:r>
+              <a:rPr lang="en-US" sz="4800" dirty="0" smtClean="0">
+                <a:latin typeface="Arial Black" panose="020B0A04020102020204" pitchFamily="34" charset="0"/>
+              </a:rPr>
+              <a:t>…</a:t>
             </a:r>
             <a:endParaRPr lang="en-US" sz="4800" dirty="0" smtClean="0">
               <a:latin typeface="Arial Black" panose="020B0A04020102020204" pitchFamily="34" charset="0"/>
             </a:endParaRPr>
           </a:p>
           <a:p>
+            <a:endParaRPr lang="en-US" sz="4800" dirty="0">
+              <a:latin typeface="Arial Black" panose="020B0A04020102020204" pitchFamily="34" charset="0"/>
+            </a:endParaRPr>
+          </a:p>
+          <a:p>
             <a:r>
               <a:rPr lang="en-US" sz="4800" dirty="0" smtClean="0">
                 <a:latin typeface="Arial Black" panose="020B0A04020102020204" pitchFamily="34" charset="0"/>
               </a:rPr>
-              <a:t>REALLY COOL…”</a:t>
-            </a:r>
-          </a:p>
-          <a:p>
-            <a:endParaRPr lang="en-US" sz="4800" dirty="0">
-              <a:latin typeface="Arial Black" panose="020B0A04020102020204" pitchFamily="34" charset="0"/>
-            </a:endParaRPr>
-          </a:p>
-          <a:p>
-            <a:r>
-              <a:rPr lang="en-US" sz="4800" dirty="0" smtClean="0">
-                <a:latin typeface="Arial Black" panose="020B0A04020102020204" pitchFamily="34" charset="0"/>
-              </a:rPr>
-              <a:t>					- Liam</a:t>
+              <a:t>					</a:t>
             </a:r>
           </a:p>
         </p:txBody>
@@ -5659,9 +5922,119 @@
           <a:chExt cx="0" cy="0"/>
         </a:xfrm>
       </p:grpSpPr>
+      <p:sp>
+        <p:nvSpPr>
+          <p:cNvPr id="2" name="TextBox 1"/>
+          <p:cNvSpPr txBox="1"/>
+          <p:nvPr/>
+        </p:nvSpPr>
+        <p:spPr>
+          <a:xfrm>
+            <a:off x="1143000" y="656153"/>
+            <a:ext cx="7848600" cy="4462760"/>
+          </a:xfrm>
+          <a:prstGeom prst="rect">
+            <a:avLst/>
+          </a:prstGeom>
+          <a:noFill/>
+        </p:spPr>
+        <p:txBody>
+          <a:bodyPr wrap="square" rtlCol="0">
+            <a:spAutoFit/>
+          </a:bodyPr>
+          <a:lstStyle/>
+          <a:p>
+            <a:r>
+              <a:rPr lang="en-US" sz="4800" dirty="0" smtClean="0">
+                <a:latin typeface="Arial Black" panose="020B0A04020102020204" pitchFamily="34" charset="0"/>
+              </a:rPr>
+              <a:t>… </a:t>
+            </a:r>
+            <a:r>
+              <a:rPr lang="en-US" sz="4800" dirty="0" smtClean="0">
+                <a:latin typeface="Arial Black" panose="020B0A04020102020204" pitchFamily="34" charset="0"/>
+              </a:rPr>
+              <a:t>is </a:t>
+            </a:r>
+            <a:r>
+              <a:rPr lang="en-US" sz="4800" dirty="0" smtClean="0">
+                <a:latin typeface="Arial Black" panose="020B0A04020102020204" pitchFamily="34" charset="0"/>
+              </a:rPr>
+              <a:t>TERRAIN </a:t>
+            </a:r>
+            <a:r>
+              <a:rPr lang="en-US" sz="4800" dirty="0" smtClean="0">
+                <a:latin typeface="Arial Black" panose="020B0A04020102020204" pitchFamily="34" charset="0"/>
+              </a:rPr>
+              <a:t>MODELING USING </a:t>
+            </a:r>
+            <a:r>
+              <a:rPr lang="en-US" sz="4800" dirty="0" smtClean="0">
+                <a:latin typeface="Arial Black" panose="020B0A04020102020204" pitchFamily="34" charset="0"/>
+              </a:rPr>
+              <a:t>EROSION”</a:t>
+            </a:r>
+          </a:p>
+          <a:p>
+            <a:r>
+              <a:rPr lang="en-US" sz="4800" dirty="0" smtClean="0">
+                <a:latin typeface="Arial Black" panose="020B0A04020102020204" pitchFamily="34" charset="0"/>
+              </a:rPr>
+              <a:t>						- Liam</a:t>
+            </a:r>
+            <a:endParaRPr lang="en-US" sz="2200" dirty="0" smtClean="0">
+              <a:latin typeface="Arial Black" panose="020B0A04020102020204" pitchFamily="34" charset="0"/>
+            </a:endParaRPr>
+          </a:p>
+          <a:p>
+            <a:pPr algn="r"/>
+            <a:r>
+              <a:rPr lang="en-US" sz="2200" dirty="0">
+                <a:latin typeface="Arial Black" panose="020B0A04020102020204" pitchFamily="34" charset="0"/>
+              </a:rPr>
+              <a:t>	</a:t>
+            </a:r>
+            <a:r>
+              <a:rPr lang="en-US" sz="2200" dirty="0" smtClean="0">
+                <a:latin typeface="Arial Black" panose="020B0A04020102020204" pitchFamily="34" charset="0"/>
+              </a:rPr>
+              <a:t>				St. Declan’s Well</a:t>
+            </a:r>
+            <a:endParaRPr lang="en-US" sz="2200" dirty="0">
+              <a:latin typeface="Arial Black" panose="020B0A04020102020204" pitchFamily="34" charset="0"/>
+            </a:endParaRPr>
+          </a:p>
+          <a:p>
+            <a:pPr algn="r"/>
+            <a:r>
+              <a:rPr lang="en-US" sz="2200" dirty="0" smtClean="0">
+                <a:latin typeface="Arial Black" panose="020B0A04020102020204" pitchFamily="34" charset="0"/>
+              </a:rPr>
+              <a:t>						11/17/2013</a:t>
+            </a:r>
+          </a:p>
+          <a:p>
+            <a:r>
+              <a:rPr lang="en-US" sz="4800" dirty="0">
+                <a:latin typeface="Arial Black" panose="020B0A04020102020204" pitchFamily="34" charset="0"/>
+              </a:rPr>
+              <a:t>	</a:t>
+            </a:r>
+            <a:r>
+              <a:rPr lang="en-US" sz="4800" dirty="0" smtClean="0">
+                <a:latin typeface="Arial Black" panose="020B0A04020102020204" pitchFamily="34" charset="0"/>
+              </a:rPr>
+              <a:t>					</a:t>
+            </a:r>
+            <a:endParaRPr lang="en-US" sz="4800" dirty="0">
+              <a:latin typeface="Arial Black" panose="020B0A04020102020204" pitchFamily="34" charset="0"/>
+            </a:endParaRPr>
+          </a:p>
+        </p:txBody>
+      </p:sp>
       <p:pic>
         <p:nvPicPr>
-          <p:cNvPr id="1026" name="Picture 2" descr="http://hpcg.purdue.edu/img/publications/23_big.jpg"/>
+          <p:cNvPr id="5" name="Picture 2" descr="http://dcgi.felk.cvut.cz/?media=publications%2F2008%2Fstava-sca-erosion%2Fteaser.png&amp;width=307&amp;height=230&amp;action=fetch&amp;presenter=Media"/>
           <p:cNvPicPr>
             <a:picLocks noChangeAspect="1" noChangeArrowheads="1"/>
           </p:cNvPicPr>
@@ -5682,8 +6055,8 @@
         </p:blipFill>
         <p:spPr bwMode="auto">
           <a:xfrm>
-            <a:off x="3484808" y="1905000"/>
-            <a:ext cx="5715000" cy="3171826"/>
+            <a:off x="990600" y="2819400"/>
+            <a:ext cx="2924175" cy="2190750"/>
           </a:xfrm>
           <a:prstGeom prst="rect">
             <a:avLst/>
@@ -5700,40 +6073,6 @@
           </a:extLst>
         </p:spPr>
       </p:pic>
-      <p:sp>
-        <p:nvSpPr>
-          <p:cNvPr id="2" name="TextBox 1"/>
-          <p:cNvSpPr txBox="1"/>
-          <p:nvPr/>
-        </p:nvSpPr>
-        <p:spPr>
-          <a:xfrm>
-            <a:off x="1143000" y="656153"/>
-            <a:ext cx="7848600" cy="2308324"/>
-          </a:xfrm>
-          <a:prstGeom prst="rect">
-            <a:avLst/>
-          </a:prstGeom>
-          <a:noFill/>
-        </p:spPr>
-        <p:txBody>
-          <a:bodyPr wrap="square" rtlCol="0">
-            <a:spAutoFit/>
-          </a:bodyPr>
-          <a:lstStyle/>
-          <a:p>
-            <a:r>
-              <a:rPr lang="en-US" sz="4800" dirty="0" smtClean="0">
-                <a:latin typeface="Arial Black" panose="020B0A04020102020204" pitchFamily="34" charset="0"/>
-              </a:rPr>
-              <a:t>… TERRAIN MODELING USING EROSION</a:t>
-            </a:r>
-            <a:endParaRPr lang="en-US" sz="4800" dirty="0">
-              <a:latin typeface="Arial Black" panose="020B0A04020102020204" pitchFamily="34" charset="0"/>
-            </a:endParaRPr>
-          </a:p>
-        </p:txBody>
-      </p:sp>
     </p:spTree>
     <p:extLst>
       <p:ext uri="{BB962C8B-B14F-4D97-AF65-F5344CB8AC3E}">

--- a/alpha results/alphaPresentation.pptx
+++ b/alpha results/alphaPresentation.pptx
@@ -4810,7 +4810,7 @@
           <a:p>
             <a:r>
               <a:rPr lang="en-US" dirty="0" smtClean="0"/>
-              <a:t>Procedural TERRAIN GENERATION WITH LOD</a:t>
+              <a:t>Terrain Modeling with Erosion</a:t>
             </a:r>
             <a:endParaRPr lang="en-US" dirty="0"/>
           </a:p>
@@ -5741,15 +5741,7 @@
             </a:pPr>
             <a:r>
               <a:rPr lang="en-US" sz="2400" dirty="0" smtClean="0"/>
-              <a:t>Shade the terrain based on slope </a:t>
-            </a:r>
-            <a:r>
-              <a:rPr lang="en-US" sz="2400" dirty="0" smtClean="0"/>
-              <a:t>(e.g.: </a:t>
-            </a:r>
-            <a:r>
-              <a:rPr lang="en-US" sz="2400" dirty="0" smtClean="0"/>
-              <a:t>snow)</a:t>
+              <a:t>Shade the terrain based on slope (e.g.: snow)</a:t>
             </a:r>
           </a:p>
           <a:p>
@@ -5858,17 +5850,8 @@
               <a:rPr lang="en-US" sz="4800" dirty="0" smtClean="0">
                 <a:latin typeface="Arial Black" panose="020B0A04020102020204" pitchFamily="34" charset="0"/>
               </a:rPr>
-              <a:t>REALLY COOL</a:t>
-            </a:r>
-            <a:r>
-              <a:rPr lang="en-US" sz="4800" dirty="0" smtClean="0">
-                <a:latin typeface="Arial Black" panose="020B0A04020102020204" pitchFamily="34" charset="0"/>
-              </a:rPr>
-              <a:t>…</a:t>
-            </a:r>
-            <a:endParaRPr lang="en-US" sz="4800" dirty="0" smtClean="0">
-              <a:latin typeface="Arial Black" panose="020B0A04020102020204" pitchFamily="34" charset="0"/>
-            </a:endParaRPr>
+              <a:t>REALLY COOL…</a:t>
+            </a:r>
           </a:p>
           <a:p>
             <a:endParaRPr lang="en-US" sz="4800" dirty="0">
@@ -5948,31 +5931,7 @@
               <a:rPr lang="en-US" sz="4800" dirty="0" smtClean="0">
                 <a:latin typeface="Arial Black" panose="020B0A04020102020204" pitchFamily="34" charset="0"/>
               </a:rPr>
-              <a:t>… </a:t>
-            </a:r>
-            <a:r>
-              <a:rPr lang="en-US" sz="4800" dirty="0" smtClean="0">
-                <a:latin typeface="Arial Black" panose="020B0A04020102020204" pitchFamily="34" charset="0"/>
-              </a:rPr>
-              <a:t>is </a:t>
-            </a:r>
-            <a:r>
-              <a:rPr lang="en-US" sz="4800" dirty="0" smtClean="0">
-                <a:latin typeface="Arial Black" panose="020B0A04020102020204" pitchFamily="34" charset="0"/>
-              </a:rPr>
-              <a:t>TERRAIN </a:t>
-            </a:r>
-            <a:r>
-              <a:rPr lang="en-US" sz="4800" dirty="0" smtClean="0">
-                <a:latin typeface="Arial Black" panose="020B0A04020102020204" pitchFamily="34" charset="0"/>
-              </a:rPr>
-              <a:t>MODELING USING </a:t>
-            </a:r>
-            <a:r>
-              <a:rPr lang="en-US" sz="4800" dirty="0" smtClean="0">
-                <a:latin typeface="Arial Black" panose="020B0A04020102020204" pitchFamily="34" charset="0"/>
-              </a:rPr>
-              <a:t>EROSION”</a:t>
+              <a:t>… is TERRAIN MODELING USING EROSION”</a:t>
             </a:r>
           </a:p>
           <a:p>
